--- a/ppt 16-9/0600.哈利路亚唱不完.pptx
+++ b/ppt 16-9/0600.哈利路亚唱不完.pptx
@@ -5,7 +5,7 @@
     <p:sldMasterId id="2147483648" r:id="rId1"/>
   </p:sldMasterIdLst>
   <p:sldIdLst>
-    <p:sldId id="2379" r:id="rId2"/>
+    <p:sldId id="2381" r:id="rId2"/>
   </p:sldIdLst>
   <p:sldSz cx="12192000" cy="6858000"/>
   <p:notesSz cx="6858000" cy="9144000"/>
@@ -129,7 +129,7 @@
           <p:cNvPr id="2" name="标题 1">
             <a:extLst>
               <a:ext uri="{FF2B5EF4-FFF2-40B4-BE49-F238E27FC236}">
-                <a16:creationId xmlns:a16="http://schemas.microsoft.com/office/drawing/2014/main" id="{CC0800DF-63AE-F4E0-4971-197B0F8A246E}"/>
+                <a16:creationId xmlns:a16="http://schemas.microsoft.com/office/drawing/2014/main" id="{918EC3E9-4213-88CC-5C3A-EC6117B14B4E}"/>
               </a:ext>
             </a:extLst>
           </p:cNvPr>
@@ -166,7 +166,7 @@
           <p:cNvPr id="3" name="副标题 2">
             <a:extLst>
               <a:ext uri="{FF2B5EF4-FFF2-40B4-BE49-F238E27FC236}">
-                <a16:creationId xmlns:a16="http://schemas.microsoft.com/office/drawing/2014/main" id="{7438EDF2-458D-13C5-B59E-6D4B5364E0EE}"/>
+                <a16:creationId xmlns:a16="http://schemas.microsoft.com/office/drawing/2014/main" id="{C41F5BD6-8474-F370-52F3-8936100948F9}"/>
               </a:ext>
             </a:extLst>
           </p:cNvPr>
@@ -236,7 +236,7 @@
           <p:cNvPr id="4" name="日期占位符 3">
             <a:extLst>
               <a:ext uri="{FF2B5EF4-FFF2-40B4-BE49-F238E27FC236}">
-                <a16:creationId xmlns:a16="http://schemas.microsoft.com/office/drawing/2014/main" id="{D3A87BA0-442D-BBED-7572-3B9B70A9D9AA}"/>
+                <a16:creationId xmlns:a16="http://schemas.microsoft.com/office/drawing/2014/main" id="{2C57D08B-1570-5319-44FB-71F09757FB20}"/>
               </a:ext>
             </a:extLst>
           </p:cNvPr>
@@ -252,7 +252,7 @@
           <a:bodyPr/>
           <a:lstStyle/>
           <a:p>
-            <a:fld id="{F2B494F9-92F8-4051-A161-83DCDBF53B3C}" type="datetimeFigureOut">
+            <a:fld id="{7721B985-C64D-4813-A467-940730101CE1}" type="datetimeFigureOut">
               <a:rPr lang="zh-CN" altLang="en-US" smtClean="0"/>
               <a:t>2024/3/10</a:t>
             </a:fld>
@@ -265,7 +265,7 @@
           <p:cNvPr id="5" name="页脚占位符 4">
             <a:extLst>
               <a:ext uri="{FF2B5EF4-FFF2-40B4-BE49-F238E27FC236}">
-                <a16:creationId xmlns:a16="http://schemas.microsoft.com/office/drawing/2014/main" id="{148E06E5-67C3-0A05-0C89-79CEFED92BF7}"/>
+                <a16:creationId xmlns:a16="http://schemas.microsoft.com/office/drawing/2014/main" id="{0F55D8EF-CCD6-7BB5-D915-37A4D8EA7F7C}"/>
               </a:ext>
             </a:extLst>
           </p:cNvPr>
@@ -290,7 +290,7 @@
           <p:cNvPr id="6" name="灯片编号占位符 5">
             <a:extLst>
               <a:ext uri="{FF2B5EF4-FFF2-40B4-BE49-F238E27FC236}">
-                <a16:creationId xmlns:a16="http://schemas.microsoft.com/office/drawing/2014/main" id="{AA5156C1-C669-EED3-8E83-D8EC503EE989}"/>
+                <a16:creationId xmlns:a16="http://schemas.microsoft.com/office/drawing/2014/main" id="{43129001-F56E-16C8-C753-AA56DD9CBC26}"/>
               </a:ext>
             </a:extLst>
           </p:cNvPr>
@@ -306,7 +306,7 @@
           <a:bodyPr/>
           <a:lstStyle/>
           <a:p>
-            <a:fld id="{02249F3B-C18A-4844-8CE1-FCA0EACF7D4D}" type="slidenum">
+            <a:fld id="{36988F48-A6E4-40F3-BA29-3373458CE889}" type="slidenum">
               <a:rPr lang="zh-CN" altLang="en-US" smtClean="0"/>
               <a:t>‹#›</a:t>
             </a:fld>
@@ -317,7 +317,7 @@
     </p:spTree>
     <p:extLst>
       <p:ext uri="{BB962C8B-B14F-4D97-AF65-F5344CB8AC3E}">
-        <p14:creationId xmlns:p14="http://schemas.microsoft.com/office/powerpoint/2010/main" val="3352652315"/>
+        <p14:creationId xmlns:p14="http://schemas.microsoft.com/office/powerpoint/2010/main" val="3989501553"/>
       </p:ext>
     </p:extLst>
   </p:cSld>
@@ -349,7 +349,7 @@
           <p:cNvPr id="2" name="标题 1">
             <a:extLst>
               <a:ext uri="{FF2B5EF4-FFF2-40B4-BE49-F238E27FC236}">
-                <a16:creationId xmlns:a16="http://schemas.microsoft.com/office/drawing/2014/main" id="{EF3BAA0D-DF42-B6EB-08B3-DF9C3F8B355A}"/>
+                <a16:creationId xmlns:a16="http://schemas.microsoft.com/office/drawing/2014/main" id="{79357938-BD32-C159-602B-7CB7CC908973}"/>
               </a:ext>
             </a:extLst>
           </p:cNvPr>
@@ -377,7 +377,7 @@
           <p:cNvPr id="3" name="竖排文字占位符 2">
             <a:extLst>
               <a:ext uri="{FF2B5EF4-FFF2-40B4-BE49-F238E27FC236}">
-                <a16:creationId xmlns:a16="http://schemas.microsoft.com/office/drawing/2014/main" id="{C6E3B68A-D03D-66FE-E7C9-4CA7B9A12E74}"/>
+                <a16:creationId xmlns:a16="http://schemas.microsoft.com/office/drawing/2014/main" id="{35848EEB-99BB-B3B9-B0EE-1821E4904894}"/>
               </a:ext>
             </a:extLst>
           </p:cNvPr>
@@ -434,7 +434,7 @@
           <p:cNvPr id="4" name="日期占位符 3">
             <a:extLst>
               <a:ext uri="{FF2B5EF4-FFF2-40B4-BE49-F238E27FC236}">
-                <a16:creationId xmlns:a16="http://schemas.microsoft.com/office/drawing/2014/main" id="{8A2FC4D1-AB6E-5CEB-13DB-926D1F8718D6}"/>
+                <a16:creationId xmlns:a16="http://schemas.microsoft.com/office/drawing/2014/main" id="{10695BB1-DB0F-6E8B-5D21-D82BFF865B83}"/>
               </a:ext>
             </a:extLst>
           </p:cNvPr>
@@ -450,7 +450,7 @@
           <a:bodyPr/>
           <a:lstStyle/>
           <a:p>
-            <a:fld id="{F2B494F9-92F8-4051-A161-83DCDBF53B3C}" type="datetimeFigureOut">
+            <a:fld id="{7721B985-C64D-4813-A467-940730101CE1}" type="datetimeFigureOut">
               <a:rPr lang="zh-CN" altLang="en-US" smtClean="0"/>
               <a:t>2024/3/10</a:t>
             </a:fld>
@@ -463,7 +463,7 @@
           <p:cNvPr id="5" name="页脚占位符 4">
             <a:extLst>
               <a:ext uri="{FF2B5EF4-FFF2-40B4-BE49-F238E27FC236}">
-                <a16:creationId xmlns:a16="http://schemas.microsoft.com/office/drawing/2014/main" id="{4926CF22-CBAA-B692-6B2D-161F6DC39A17}"/>
+                <a16:creationId xmlns:a16="http://schemas.microsoft.com/office/drawing/2014/main" id="{88C98962-EDEF-CB99-5F00-D10128FD8F2E}"/>
               </a:ext>
             </a:extLst>
           </p:cNvPr>
@@ -488,7 +488,7 @@
           <p:cNvPr id="6" name="灯片编号占位符 5">
             <a:extLst>
               <a:ext uri="{FF2B5EF4-FFF2-40B4-BE49-F238E27FC236}">
-                <a16:creationId xmlns:a16="http://schemas.microsoft.com/office/drawing/2014/main" id="{6F596910-5144-8BA7-ADEB-1F54C3AFF7D8}"/>
+                <a16:creationId xmlns:a16="http://schemas.microsoft.com/office/drawing/2014/main" id="{C4731F34-D48A-79A5-120D-06B2EA7706A7}"/>
               </a:ext>
             </a:extLst>
           </p:cNvPr>
@@ -504,7 +504,7 @@
           <a:bodyPr/>
           <a:lstStyle/>
           <a:p>
-            <a:fld id="{02249F3B-C18A-4844-8CE1-FCA0EACF7D4D}" type="slidenum">
+            <a:fld id="{36988F48-A6E4-40F3-BA29-3373458CE889}" type="slidenum">
               <a:rPr lang="zh-CN" altLang="en-US" smtClean="0"/>
               <a:t>‹#›</a:t>
             </a:fld>
@@ -515,7 +515,7 @@
     </p:spTree>
     <p:extLst>
       <p:ext uri="{BB962C8B-B14F-4D97-AF65-F5344CB8AC3E}">
-        <p14:creationId xmlns:p14="http://schemas.microsoft.com/office/powerpoint/2010/main" val="897695957"/>
+        <p14:creationId xmlns:p14="http://schemas.microsoft.com/office/powerpoint/2010/main" val="1274555875"/>
       </p:ext>
     </p:extLst>
   </p:cSld>
@@ -547,7 +547,7 @@
           <p:cNvPr id="2" name="竖排标题 1">
             <a:extLst>
               <a:ext uri="{FF2B5EF4-FFF2-40B4-BE49-F238E27FC236}">
-                <a16:creationId xmlns:a16="http://schemas.microsoft.com/office/drawing/2014/main" id="{0F17FFE4-1B2A-1FAE-05D4-721EDFAFCDAF}"/>
+                <a16:creationId xmlns:a16="http://schemas.microsoft.com/office/drawing/2014/main" id="{9B28DB4B-7650-4703-04D9-8B9A1CC03FF2}"/>
               </a:ext>
             </a:extLst>
           </p:cNvPr>
@@ -580,7 +580,7 @@
           <p:cNvPr id="3" name="竖排文字占位符 2">
             <a:extLst>
               <a:ext uri="{FF2B5EF4-FFF2-40B4-BE49-F238E27FC236}">
-                <a16:creationId xmlns:a16="http://schemas.microsoft.com/office/drawing/2014/main" id="{FA0CD52F-C59B-3E90-960A-01CCE76DCA96}"/>
+                <a16:creationId xmlns:a16="http://schemas.microsoft.com/office/drawing/2014/main" id="{224A514D-A45C-3EE0-B39C-53CD5D4B4B46}"/>
               </a:ext>
             </a:extLst>
           </p:cNvPr>
@@ -642,7 +642,7 @@
           <p:cNvPr id="4" name="日期占位符 3">
             <a:extLst>
               <a:ext uri="{FF2B5EF4-FFF2-40B4-BE49-F238E27FC236}">
-                <a16:creationId xmlns:a16="http://schemas.microsoft.com/office/drawing/2014/main" id="{BD0F22D5-4663-E9ED-0626-0437497290E2}"/>
+                <a16:creationId xmlns:a16="http://schemas.microsoft.com/office/drawing/2014/main" id="{FDB68AF9-50AC-DDBE-3A7A-0276A43A3837}"/>
               </a:ext>
             </a:extLst>
           </p:cNvPr>
@@ -658,7 +658,7 @@
           <a:bodyPr/>
           <a:lstStyle/>
           <a:p>
-            <a:fld id="{F2B494F9-92F8-4051-A161-83DCDBF53B3C}" type="datetimeFigureOut">
+            <a:fld id="{7721B985-C64D-4813-A467-940730101CE1}" type="datetimeFigureOut">
               <a:rPr lang="zh-CN" altLang="en-US" smtClean="0"/>
               <a:t>2024/3/10</a:t>
             </a:fld>
@@ -671,7 +671,7 @@
           <p:cNvPr id="5" name="页脚占位符 4">
             <a:extLst>
               <a:ext uri="{FF2B5EF4-FFF2-40B4-BE49-F238E27FC236}">
-                <a16:creationId xmlns:a16="http://schemas.microsoft.com/office/drawing/2014/main" id="{3DBE7A07-F597-73F8-8261-FFBB055BDF2E}"/>
+                <a16:creationId xmlns:a16="http://schemas.microsoft.com/office/drawing/2014/main" id="{989872F2-08BA-4366-33DB-EB28ABAEEBB9}"/>
               </a:ext>
             </a:extLst>
           </p:cNvPr>
@@ -696,7 +696,7 @@
           <p:cNvPr id="6" name="灯片编号占位符 5">
             <a:extLst>
               <a:ext uri="{FF2B5EF4-FFF2-40B4-BE49-F238E27FC236}">
-                <a16:creationId xmlns:a16="http://schemas.microsoft.com/office/drawing/2014/main" id="{34D6BC6B-70EA-29C9-D572-F1A9A0DC5E41}"/>
+                <a16:creationId xmlns:a16="http://schemas.microsoft.com/office/drawing/2014/main" id="{9F60A14B-0F0C-289E-9DED-7C94A403CE7A}"/>
               </a:ext>
             </a:extLst>
           </p:cNvPr>
@@ -712,7 +712,7 @@
           <a:bodyPr/>
           <a:lstStyle/>
           <a:p>
-            <a:fld id="{02249F3B-C18A-4844-8CE1-FCA0EACF7D4D}" type="slidenum">
+            <a:fld id="{36988F48-A6E4-40F3-BA29-3373458CE889}" type="slidenum">
               <a:rPr lang="zh-CN" altLang="en-US" smtClean="0"/>
               <a:t>‹#›</a:t>
             </a:fld>
@@ -723,7 +723,7 @@
     </p:spTree>
     <p:extLst>
       <p:ext uri="{BB962C8B-B14F-4D97-AF65-F5344CB8AC3E}">
-        <p14:creationId xmlns:p14="http://schemas.microsoft.com/office/powerpoint/2010/main" val="2304817449"/>
+        <p14:creationId xmlns:p14="http://schemas.microsoft.com/office/powerpoint/2010/main" val="1904399595"/>
       </p:ext>
     </p:extLst>
   </p:cSld>
@@ -755,7 +755,7 @@
           <p:cNvPr id="2" name="标题 1">
             <a:extLst>
               <a:ext uri="{FF2B5EF4-FFF2-40B4-BE49-F238E27FC236}">
-                <a16:creationId xmlns:a16="http://schemas.microsoft.com/office/drawing/2014/main" id="{7F7DB94E-6384-59B8-B8CC-16AD10C6DCF7}"/>
+                <a16:creationId xmlns:a16="http://schemas.microsoft.com/office/drawing/2014/main" id="{D1128DF2-C1F7-4F08-177A-3D502D9E97B3}"/>
               </a:ext>
             </a:extLst>
           </p:cNvPr>
@@ -783,7 +783,7 @@
           <p:cNvPr id="3" name="内容占位符 2">
             <a:extLst>
               <a:ext uri="{FF2B5EF4-FFF2-40B4-BE49-F238E27FC236}">
-                <a16:creationId xmlns:a16="http://schemas.microsoft.com/office/drawing/2014/main" id="{08237612-A721-E124-9CBC-0E4CD86C6940}"/>
+                <a16:creationId xmlns:a16="http://schemas.microsoft.com/office/drawing/2014/main" id="{765A1DFC-1580-42C0-9952-ADD983744FB9}"/>
               </a:ext>
             </a:extLst>
           </p:cNvPr>
@@ -840,7 +840,7 @@
           <p:cNvPr id="4" name="日期占位符 3">
             <a:extLst>
               <a:ext uri="{FF2B5EF4-FFF2-40B4-BE49-F238E27FC236}">
-                <a16:creationId xmlns:a16="http://schemas.microsoft.com/office/drawing/2014/main" id="{DC1FBD67-EC3F-0955-2861-A5F7C9A3F2BA}"/>
+                <a16:creationId xmlns:a16="http://schemas.microsoft.com/office/drawing/2014/main" id="{4E340A88-EE2C-1682-2C2E-007D94082D74}"/>
               </a:ext>
             </a:extLst>
           </p:cNvPr>
@@ -856,7 +856,7 @@
           <a:bodyPr/>
           <a:lstStyle/>
           <a:p>
-            <a:fld id="{F2B494F9-92F8-4051-A161-83DCDBF53B3C}" type="datetimeFigureOut">
+            <a:fld id="{7721B985-C64D-4813-A467-940730101CE1}" type="datetimeFigureOut">
               <a:rPr lang="zh-CN" altLang="en-US" smtClean="0"/>
               <a:t>2024/3/10</a:t>
             </a:fld>
@@ -869,7 +869,7 @@
           <p:cNvPr id="5" name="页脚占位符 4">
             <a:extLst>
               <a:ext uri="{FF2B5EF4-FFF2-40B4-BE49-F238E27FC236}">
-                <a16:creationId xmlns:a16="http://schemas.microsoft.com/office/drawing/2014/main" id="{9FC4AE17-CF4A-55BD-AF1F-B41324804676}"/>
+                <a16:creationId xmlns:a16="http://schemas.microsoft.com/office/drawing/2014/main" id="{C60EB885-605C-73F8-F393-C67CA52B3D67}"/>
               </a:ext>
             </a:extLst>
           </p:cNvPr>
@@ -894,7 +894,7 @@
           <p:cNvPr id="6" name="灯片编号占位符 5">
             <a:extLst>
               <a:ext uri="{FF2B5EF4-FFF2-40B4-BE49-F238E27FC236}">
-                <a16:creationId xmlns:a16="http://schemas.microsoft.com/office/drawing/2014/main" id="{F6441423-08DB-FAAB-B2BA-EFEB50673471}"/>
+                <a16:creationId xmlns:a16="http://schemas.microsoft.com/office/drawing/2014/main" id="{DF810DF5-C43A-5903-94E3-0F2A5016892D}"/>
               </a:ext>
             </a:extLst>
           </p:cNvPr>
@@ -910,7 +910,7 @@
           <a:bodyPr/>
           <a:lstStyle/>
           <a:p>
-            <a:fld id="{02249F3B-C18A-4844-8CE1-FCA0EACF7D4D}" type="slidenum">
+            <a:fld id="{36988F48-A6E4-40F3-BA29-3373458CE889}" type="slidenum">
               <a:rPr lang="zh-CN" altLang="en-US" smtClean="0"/>
               <a:t>‹#›</a:t>
             </a:fld>
@@ -921,7 +921,7 @@
     </p:spTree>
     <p:extLst>
       <p:ext uri="{BB962C8B-B14F-4D97-AF65-F5344CB8AC3E}">
-        <p14:creationId xmlns:p14="http://schemas.microsoft.com/office/powerpoint/2010/main" val="2515433991"/>
+        <p14:creationId xmlns:p14="http://schemas.microsoft.com/office/powerpoint/2010/main" val="2273816825"/>
       </p:ext>
     </p:extLst>
   </p:cSld>
@@ -953,7 +953,7 @@
           <p:cNvPr id="2" name="标题 1">
             <a:extLst>
               <a:ext uri="{FF2B5EF4-FFF2-40B4-BE49-F238E27FC236}">
-                <a16:creationId xmlns:a16="http://schemas.microsoft.com/office/drawing/2014/main" id="{E4780FC5-9EA0-A071-AC36-E7B04CCEB055}"/>
+                <a16:creationId xmlns:a16="http://schemas.microsoft.com/office/drawing/2014/main" id="{A13B1FE3-2528-EF4E-DE68-E44BE2D60B8B}"/>
               </a:ext>
             </a:extLst>
           </p:cNvPr>
@@ -990,7 +990,7 @@
           <p:cNvPr id="3" name="文本占位符 2">
             <a:extLst>
               <a:ext uri="{FF2B5EF4-FFF2-40B4-BE49-F238E27FC236}">
-                <a16:creationId xmlns:a16="http://schemas.microsoft.com/office/drawing/2014/main" id="{10BEA953-41DD-D00C-063C-4376DAA8B94D}"/>
+                <a16:creationId xmlns:a16="http://schemas.microsoft.com/office/drawing/2014/main" id="{8BE4D158-699B-8E9B-E6FC-E8B387C1FF9D}"/>
               </a:ext>
             </a:extLst>
           </p:cNvPr>
@@ -1115,7 +1115,7 @@
           <p:cNvPr id="4" name="日期占位符 3">
             <a:extLst>
               <a:ext uri="{FF2B5EF4-FFF2-40B4-BE49-F238E27FC236}">
-                <a16:creationId xmlns:a16="http://schemas.microsoft.com/office/drawing/2014/main" id="{A2441035-50D2-E9FA-6118-627EFAD697A7}"/>
+                <a16:creationId xmlns:a16="http://schemas.microsoft.com/office/drawing/2014/main" id="{CA919A1E-FAD6-2BF6-6CBF-D9DA417A52C5}"/>
               </a:ext>
             </a:extLst>
           </p:cNvPr>
@@ -1131,7 +1131,7 @@
           <a:bodyPr/>
           <a:lstStyle/>
           <a:p>
-            <a:fld id="{F2B494F9-92F8-4051-A161-83DCDBF53B3C}" type="datetimeFigureOut">
+            <a:fld id="{7721B985-C64D-4813-A467-940730101CE1}" type="datetimeFigureOut">
               <a:rPr lang="zh-CN" altLang="en-US" smtClean="0"/>
               <a:t>2024/3/10</a:t>
             </a:fld>
@@ -1144,7 +1144,7 @@
           <p:cNvPr id="5" name="页脚占位符 4">
             <a:extLst>
               <a:ext uri="{FF2B5EF4-FFF2-40B4-BE49-F238E27FC236}">
-                <a16:creationId xmlns:a16="http://schemas.microsoft.com/office/drawing/2014/main" id="{5AC0C1BD-AEA8-226E-13CD-FFF59753923B}"/>
+                <a16:creationId xmlns:a16="http://schemas.microsoft.com/office/drawing/2014/main" id="{AF16087F-9A55-3032-B7DB-E1E2B624E32B}"/>
               </a:ext>
             </a:extLst>
           </p:cNvPr>
@@ -1169,7 +1169,7 @@
           <p:cNvPr id="6" name="灯片编号占位符 5">
             <a:extLst>
               <a:ext uri="{FF2B5EF4-FFF2-40B4-BE49-F238E27FC236}">
-                <a16:creationId xmlns:a16="http://schemas.microsoft.com/office/drawing/2014/main" id="{B5EB2EDE-C31D-9FA7-471B-BA3CA31D12AE}"/>
+                <a16:creationId xmlns:a16="http://schemas.microsoft.com/office/drawing/2014/main" id="{8D80925E-F24B-22B7-0C4E-F9FC293E3993}"/>
               </a:ext>
             </a:extLst>
           </p:cNvPr>
@@ -1185,7 +1185,7 @@
           <a:bodyPr/>
           <a:lstStyle/>
           <a:p>
-            <a:fld id="{02249F3B-C18A-4844-8CE1-FCA0EACF7D4D}" type="slidenum">
+            <a:fld id="{36988F48-A6E4-40F3-BA29-3373458CE889}" type="slidenum">
               <a:rPr lang="zh-CN" altLang="en-US" smtClean="0"/>
               <a:t>‹#›</a:t>
             </a:fld>
@@ -1196,7 +1196,7 @@
     </p:spTree>
     <p:extLst>
       <p:ext uri="{BB962C8B-B14F-4D97-AF65-F5344CB8AC3E}">
-        <p14:creationId xmlns:p14="http://schemas.microsoft.com/office/powerpoint/2010/main" val="426844857"/>
+        <p14:creationId xmlns:p14="http://schemas.microsoft.com/office/powerpoint/2010/main" val="1960918472"/>
       </p:ext>
     </p:extLst>
   </p:cSld>
@@ -1228,7 +1228,7 @@
           <p:cNvPr id="2" name="标题 1">
             <a:extLst>
               <a:ext uri="{FF2B5EF4-FFF2-40B4-BE49-F238E27FC236}">
-                <a16:creationId xmlns:a16="http://schemas.microsoft.com/office/drawing/2014/main" id="{E2E5F6C2-72AD-6338-911C-723175A12AA1}"/>
+                <a16:creationId xmlns:a16="http://schemas.microsoft.com/office/drawing/2014/main" id="{F6989DF6-8331-C4F0-53A6-1CE19D7087BE}"/>
               </a:ext>
             </a:extLst>
           </p:cNvPr>
@@ -1256,7 +1256,7 @@
           <p:cNvPr id="3" name="内容占位符 2">
             <a:extLst>
               <a:ext uri="{FF2B5EF4-FFF2-40B4-BE49-F238E27FC236}">
-                <a16:creationId xmlns:a16="http://schemas.microsoft.com/office/drawing/2014/main" id="{123BEC79-153B-5F8C-C4A6-DE0033D7E1E2}"/>
+                <a16:creationId xmlns:a16="http://schemas.microsoft.com/office/drawing/2014/main" id="{27AE5B5E-980C-F9F8-EA95-F0A726D4980D}"/>
               </a:ext>
             </a:extLst>
           </p:cNvPr>
@@ -1318,7 +1318,7 @@
           <p:cNvPr id="4" name="内容占位符 3">
             <a:extLst>
               <a:ext uri="{FF2B5EF4-FFF2-40B4-BE49-F238E27FC236}">
-                <a16:creationId xmlns:a16="http://schemas.microsoft.com/office/drawing/2014/main" id="{533F7E4B-DEA1-8A59-F722-B9B7F93D909E}"/>
+                <a16:creationId xmlns:a16="http://schemas.microsoft.com/office/drawing/2014/main" id="{910FE6C5-64D5-DC8B-EAF3-82D9849A331A}"/>
               </a:ext>
             </a:extLst>
           </p:cNvPr>
@@ -1380,7 +1380,7 @@
           <p:cNvPr id="5" name="日期占位符 4">
             <a:extLst>
               <a:ext uri="{FF2B5EF4-FFF2-40B4-BE49-F238E27FC236}">
-                <a16:creationId xmlns:a16="http://schemas.microsoft.com/office/drawing/2014/main" id="{F20495CF-6A83-AF99-DB46-876282AFEC06}"/>
+                <a16:creationId xmlns:a16="http://schemas.microsoft.com/office/drawing/2014/main" id="{548DC222-64C6-DE8A-FEE2-7B8691C2047A}"/>
               </a:ext>
             </a:extLst>
           </p:cNvPr>
@@ -1396,7 +1396,7 @@
           <a:bodyPr/>
           <a:lstStyle/>
           <a:p>
-            <a:fld id="{F2B494F9-92F8-4051-A161-83DCDBF53B3C}" type="datetimeFigureOut">
+            <a:fld id="{7721B985-C64D-4813-A467-940730101CE1}" type="datetimeFigureOut">
               <a:rPr lang="zh-CN" altLang="en-US" smtClean="0"/>
               <a:t>2024/3/10</a:t>
             </a:fld>
@@ -1409,7 +1409,7 @@
           <p:cNvPr id="6" name="页脚占位符 5">
             <a:extLst>
               <a:ext uri="{FF2B5EF4-FFF2-40B4-BE49-F238E27FC236}">
-                <a16:creationId xmlns:a16="http://schemas.microsoft.com/office/drawing/2014/main" id="{053A0EEF-E792-6C79-B553-1716250854EC}"/>
+                <a16:creationId xmlns:a16="http://schemas.microsoft.com/office/drawing/2014/main" id="{36219251-8205-0FB5-67A3-E4E575527E78}"/>
               </a:ext>
             </a:extLst>
           </p:cNvPr>
@@ -1434,7 +1434,7 @@
           <p:cNvPr id="7" name="灯片编号占位符 6">
             <a:extLst>
               <a:ext uri="{FF2B5EF4-FFF2-40B4-BE49-F238E27FC236}">
-                <a16:creationId xmlns:a16="http://schemas.microsoft.com/office/drawing/2014/main" id="{922AD0FC-9467-819E-C5D8-149A5288272E}"/>
+                <a16:creationId xmlns:a16="http://schemas.microsoft.com/office/drawing/2014/main" id="{1EDAFEFA-FC92-21E3-BE9F-1415D0164C60}"/>
               </a:ext>
             </a:extLst>
           </p:cNvPr>
@@ -1450,7 +1450,7 @@
           <a:bodyPr/>
           <a:lstStyle/>
           <a:p>
-            <a:fld id="{02249F3B-C18A-4844-8CE1-FCA0EACF7D4D}" type="slidenum">
+            <a:fld id="{36988F48-A6E4-40F3-BA29-3373458CE889}" type="slidenum">
               <a:rPr lang="zh-CN" altLang="en-US" smtClean="0"/>
               <a:t>‹#›</a:t>
             </a:fld>
@@ -1461,7 +1461,7 @@
     </p:spTree>
     <p:extLst>
       <p:ext uri="{BB962C8B-B14F-4D97-AF65-F5344CB8AC3E}">
-        <p14:creationId xmlns:p14="http://schemas.microsoft.com/office/powerpoint/2010/main" val="4171217584"/>
+        <p14:creationId xmlns:p14="http://schemas.microsoft.com/office/powerpoint/2010/main" val="1787801065"/>
       </p:ext>
     </p:extLst>
   </p:cSld>
@@ -1493,7 +1493,7 @@
           <p:cNvPr id="2" name="标题 1">
             <a:extLst>
               <a:ext uri="{FF2B5EF4-FFF2-40B4-BE49-F238E27FC236}">
-                <a16:creationId xmlns:a16="http://schemas.microsoft.com/office/drawing/2014/main" id="{D7CBDA47-F4B4-4241-D1B7-677D952B20D9}"/>
+                <a16:creationId xmlns:a16="http://schemas.microsoft.com/office/drawing/2014/main" id="{AD33F041-E5CA-F1E5-4A1E-A2C25D1CDDB9}"/>
               </a:ext>
             </a:extLst>
           </p:cNvPr>
@@ -1526,7 +1526,7 @@
           <p:cNvPr id="3" name="文本占位符 2">
             <a:extLst>
               <a:ext uri="{FF2B5EF4-FFF2-40B4-BE49-F238E27FC236}">
-                <a16:creationId xmlns:a16="http://schemas.microsoft.com/office/drawing/2014/main" id="{6C360ECB-B493-86F7-C0F9-21B72E4C61FA}"/>
+                <a16:creationId xmlns:a16="http://schemas.microsoft.com/office/drawing/2014/main" id="{FE7D6982-6215-90CB-DB99-72D0849FC964}"/>
               </a:ext>
             </a:extLst>
           </p:cNvPr>
@@ -1597,7 +1597,7 @@
           <p:cNvPr id="4" name="内容占位符 3">
             <a:extLst>
               <a:ext uri="{FF2B5EF4-FFF2-40B4-BE49-F238E27FC236}">
-                <a16:creationId xmlns:a16="http://schemas.microsoft.com/office/drawing/2014/main" id="{73E7DFA9-1968-1216-57E2-26FFE0151B95}"/>
+                <a16:creationId xmlns:a16="http://schemas.microsoft.com/office/drawing/2014/main" id="{BAC8FCCF-A833-EBF8-C382-C09F69438F90}"/>
               </a:ext>
             </a:extLst>
           </p:cNvPr>
@@ -1659,7 +1659,7 @@
           <p:cNvPr id="5" name="文本占位符 4">
             <a:extLst>
               <a:ext uri="{FF2B5EF4-FFF2-40B4-BE49-F238E27FC236}">
-                <a16:creationId xmlns:a16="http://schemas.microsoft.com/office/drawing/2014/main" id="{B9DA6EAE-A4A4-D4F5-6184-1C86CDE9A20E}"/>
+                <a16:creationId xmlns:a16="http://schemas.microsoft.com/office/drawing/2014/main" id="{B8D2776A-92BC-DB7B-74C5-4D1E146DD933}"/>
               </a:ext>
             </a:extLst>
           </p:cNvPr>
@@ -1730,7 +1730,7 @@
           <p:cNvPr id="6" name="内容占位符 5">
             <a:extLst>
               <a:ext uri="{FF2B5EF4-FFF2-40B4-BE49-F238E27FC236}">
-                <a16:creationId xmlns:a16="http://schemas.microsoft.com/office/drawing/2014/main" id="{A19A3EB3-8B72-F4C3-C24C-43C944C5F802}"/>
+                <a16:creationId xmlns:a16="http://schemas.microsoft.com/office/drawing/2014/main" id="{5AB4F25F-D862-D735-B139-427ED18821E7}"/>
               </a:ext>
             </a:extLst>
           </p:cNvPr>
@@ -1792,7 +1792,7 @@
           <p:cNvPr id="7" name="日期占位符 6">
             <a:extLst>
               <a:ext uri="{FF2B5EF4-FFF2-40B4-BE49-F238E27FC236}">
-                <a16:creationId xmlns:a16="http://schemas.microsoft.com/office/drawing/2014/main" id="{52940A39-ACA6-D3A9-171B-242FF3236B5A}"/>
+                <a16:creationId xmlns:a16="http://schemas.microsoft.com/office/drawing/2014/main" id="{C04A1090-F8D7-3447-81A2-2C44AD179660}"/>
               </a:ext>
             </a:extLst>
           </p:cNvPr>
@@ -1808,7 +1808,7 @@
           <a:bodyPr/>
           <a:lstStyle/>
           <a:p>
-            <a:fld id="{F2B494F9-92F8-4051-A161-83DCDBF53B3C}" type="datetimeFigureOut">
+            <a:fld id="{7721B985-C64D-4813-A467-940730101CE1}" type="datetimeFigureOut">
               <a:rPr lang="zh-CN" altLang="en-US" smtClean="0"/>
               <a:t>2024/3/10</a:t>
             </a:fld>
@@ -1821,7 +1821,7 @@
           <p:cNvPr id="8" name="页脚占位符 7">
             <a:extLst>
               <a:ext uri="{FF2B5EF4-FFF2-40B4-BE49-F238E27FC236}">
-                <a16:creationId xmlns:a16="http://schemas.microsoft.com/office/drawing/2014/main" id="{5D36E984-4775-7D40-2C6E-1BF62628C7B4}"/>
+                <a16:creationId xmlns:a16="http://schemas.microsoft.com/office/drawing/2014/main" id="{BE85BDB5-FB8A-20E9-695A-08FE171D3990}"/>
               </a:ext>
             </a:extLst>
           </p:cNvPr>
@@ -1846,7 +1846,7 @@
           <p:cNvPr id="9" name="灯片编号占位符 8">
             <a:extLst>
               <a:ext uri="{FF2B5EF4-FFF2-40B4-BE49-F238E27FC236}">
-                <a16:creationId xmlns:a16="http://schemas.microsoft.com/office/drawing/2014/main" id="{4890E112-A5FE-2952-1175-EF9EC3A2028D}"/>
+                <a16:creationId xmlns:a16="http://schemas.microsoft.com/office/drawing/2014/main" id="{B8D8419D-5F3A-C876-8BFE-B8ACDADF0E47}"/>
               </a:ext>
             </a:extLst>
           </p:cNvPr>
@@ -1862,7 +1862,7 @@
           <a:bodyPr/>
           <a:lstStyle/>
           <a:p>
-            <a:fld id="{02249F3B-C18A-4844-8CE1-FCA0EACF7D4D}" type="slidenum">
+            <a:fld id="{36988F48-A6E4-40F3-BA29-3373458CE889}" type="slidenum">
               <a:rPr lang="zh-CN" altLang="en-US" smtClean="0"/>
               <a:t>‹#›</a:t>
             </a:fld>
@@ -1873,7 +1873,7 @@
     </p:spTree>
     <p:extLst>
       <p:ext uri="{BB962C8B-B14F-4D97-AF65-F5344CB8AC3E}">
-        <p14:creationId xmlns:p14="http://schemas.microsoft.com/office/powerpoint/2010/main" val="775168287"/>
+        <p14:creationId xmlns:p14="http://schemas.microsoft.com/office/powerpoint/2010/main" val="3275293842"/>
       </p:ext>
     </p:extLst>
   </p:cSld>
@@ -1905,7 +1905,7 @@
           <p:cNvPr id="2" name="标题 1">
             <a:extLst>
               <a:ext uri="{FF2B5EF4-FFF2-40B4-BE49-F238E27FC236}">
-                <a16:creationId xmlns:a16="http://schemas.microsoft.com/office/drawing/2014/main" id="{502D0D27-C2BD-6B2E-DCB4-0774530FF583}"/>
+                <a16:creationId xmlns:a16="http://schemas.microsoft.com/office/drawing/2014/main" id="{CBFFF736-F04E-F7B5-61D0-4B9D407965C3}"/>
               </a:ext>
             </a:extLst>
           </p:cNvPr>
@@ -1933,7 +1933,7 @@
           <p:cNvPr id="3" name="日期占位符 2">
             <a:extLst>
               <a:ext uri="{FF2B5EF4-FFF2-40B4-BE49-F238E27FC236}">
-                <a16:creationId xmlns:a16="http://schemas.microsoft.com/office/drawing/2014/main" id="{4CB22F98-D471-77E6-1F67-7FE932B1DC13}"/>
+                <a16:creationId xmlns:a16="http://schemas.microsoft.com/office/drawing/2014/main" id="{9639637B-FA7B-8247-E92A-67FE2BC28FD0}"/>
               </a:ext>
             </a:extLst>
           </p:cNvPr>
@@ -1949,7 +1949,7 @@
           <a:bodyPr/>
           <a:lstStyle/>
           <a:p>
-            <a:fld id="{F2B494F9-92F8-4051-A161-83DCDBF53B3C}" type="datetimeFigureOut">
+            <a:fld id="{7721B985-C64D-4813-A467-940730101CE1}" type="datetimeFigureOut">
               <a:rPr lang="zh-CN" altLang="en-US" smtClean="0"/>
               <a:t>2024/3/10</a:t>
             </a:fld>
@@ -1962,7 +1962,7 @@
           <p:cNvPr id="4" name="页脚占位符 3">
             <a:extLst>
               <a:ext uri="{FF2B5EF4-FFF2-40B4-BE49-F238E27FC236}">
-                <a16:creationId xmlns:a16="http://schemas.microsoft.com/office/drawing/2014/main" id="{00FD9E8C-BAC9-6211-C7F1-C45E7669772C}"/>
+                <a16:creationId xmlns:a16="http://schemas.microsoft.com/office/drawing/2014/main" id="{061B2444-BFBD-1FB3-9166-CB2546475922}"/>
               </a:ext>
             </a:extLst>
           </p:cNvPr>
@@ -1987,7 +1987,7 @@
           <p:cNvPr id="5" name="灯片编号占位符 4">
             <a:extLst>
               <a:ext uri="{FF2B5EF4-FFF2-40B4-BE49-F238E27FC236}">
-                <a16:creationId xmlns:a16="http://schemas.microsoft.com/office/drawing/2014/main" id="{42697235-4424-5990-CE16-260DC06E9214}"/>
+                <a16:creationId xmlns:a16="http://schemas.microsoft.com/office/drawing/2014/main" id="{005AADE9-4D6F-E725-60C7-35738BFAA978}"/>
               </a:ext>
             </a:extLst>
           </p:cNvPr>
@@ -2003,7 +2003,7 @@
           <a:bodyPr/>
           <a:lstStyle/>
           <a:p>
-            <a:fld id="{02249F3B-C18A-4844-8CE1-FCA0EACF7D4D}" type="slidenum">
+            <a:fld id="{36988F48-A6E4-40F3-BA29-3373458CE889}" type="slidenum">
               <a:rPr lang="zh-CN" altLang="en-US" smtClean="0"/>
               <a:t>‹#›</a:t>
             </a:fld>
@@ -2014,7 +2014,7 @@
     </p:spTree>
     <p:extLst>
       <p:ext uri="{BB962C8B-B14F-4D97-AF65-F5344CB8AC3E}">
-        <p14:creationId xmlns:p14="http://schemas.microsoft.com/office/powerpoint/2010/main" val="1881562785"/>
+        <p14:creationId xmlns:p14="http://schemas.microsoft.com/office/powerpoint/2010/main" val="4133171152"/>
       </p:ext>
     </p:extLst>
   </p:cSld>
@@ -2046,7 +2046,7 @@
           <p:cNvPr id="2" name="日期占位符 1">
             <a:extLst>
               <a:ext uri="{FF2B5EF4-FFF2-40B4-BE49-F238E27FC236}">
-                <a16:creationId xmlns:a16="http://schemas.microsoft.com/office/drawing/2014/main" id="{CF1A1E86-3C10-4C6E-FDA2-4FB280709D90}"/>
+                <a16:creationId xmlns:a16="http://schemas.microsoft.com/office/drawing/2014/main" id="{826ADE9A-D227-EF46-7019-729B57C48641}"/>
               </a:ext>
             </a:extLst>
           </p:cNvPr>
@@ -2062,7 +2062,7 @@
           <a:bodyPr/>
           <a:lstStyle/>
           <a:p>
-            <a:fld id="{F2B494F9-92F8-4051-A161-83DCDBF53B3C}" type="datetimeFigureOut">
+            <a:fld id="{7721B985-C64D-4813-A467-940730101CE1}" type="datetimeFigureOut">
               <a:rPr lang="zh-CN" altLang="en-US" smtClean="0"/>
               <a:t>2024/3/10</a:t>
             </a:fld>
@@ -2075,7 +2075,7 @@
           <p:cNvPr id="3" name="页脚占位符 2">
             <a:extLst>
               <a:ext uri="{FF2B5EF4-FFF2-40B4-BE49-F238E27FC236}">
-                <a16:creationId xmlns:a16="http://schemas.microsoft.com/office/drawing/2014/main" id="{54796AFF-6B29-7DA5-16BA-42D50B0391FC}"/>
+                <a16:creationId xmlns:a16="http://schemas.microsoft.com/office/drawing/2014/main" id="{000F974A-95ED-9A21-1C24-47B839153113}"/>
               </a:ext>
             </a:extLst>
           </p:cNvPr>
@@ -2100,7 +2100,7 @@
           <p:cNvPr id="4" name="灯片编号占位符 3">
             <a:extLst>
               <a:ext uri="{FF2B5EF4-FFF2-40B4-BE49-F238E27FC236}">
-                <a16:creationId xmlns:a16="http://schemas.microsoft.com/office/drawing/2014/main" id="{BEF998AC-E6FB-910A-9693-2B9DC976A52B}"/>
+                <a16:creationId xmlns:a16="http://schemas.microsoft.com/office/drawing/2014/main" id="{16051E0D-9AE3-210F-A265-3A837742AECF}"/>
               </a:ext>
             </a:extLst>
           </p:cNvPr>
@@ -2116,7 +2116,7 @@
           <a:bodyPr/>
           <a:lstStyle/>
           <a:p>
-            <a:fld id="{02249F3B-C18A-4844-8CE1-FCA0EACF7D4D}" type="slidenum">
+            <a:fld id="{36988F48-A6E4-40F3-BA29-3373458CE889}" type="slidenum">
               <a:rPr lang="zh-CN" altLang="en-US" smtClean="0"/>
               <a:t>‹#›</a:t>
             </a:fld>
@@ -2127,7 +2127,7 @@
     </p:spTree>
     <p:extLst>
       <p:ext uri="{BB962C8B-B14F-4D97-AF65-F5344CB8AC3E}">
-        <p14:creationId xmlns:p14="http://schemas.microsoft.com/office/powerpoint/2010/main" val="31390168"/>
+        <p14:creationId xmlns:p14="http://schemas.microsoft.com/office/powerpoint/2010/main" val="1451715370"/>
       </p:ext>
     </p:extLst>
   </p:cSld>
@@ -2159,7 +2159,7 @@
           <p:cNvPr id="2" name="标题 1">
             <a:extLst>
               <a:ext uri="{FF2B5EF4-FFF2-40B4-BE49-F238E27FC236}">
-                <a16:creationId xmlns:a16="http://schemas.microsoft.com/office/drawing/2014/main" id="{24D9E49F-69AA-9145-CDB3-46B6422918BE}"/>
+                <a16:creationId xmlns:a16="http://schemas.microsoft.com/office/drawing/2014/main" id="{C16072D0-4911-AC60-D26C-F5CD548704DA}"/>
               </a:ext>
             </a:extLst>
           </p:cNvPr>
@@ -2196,7 +2196,7 @@
           <p:cNvPr id="3" name="内容占位符 2">
             <a:extLst>
               <a:ext uri="{FF2B5EF4-FFF2-40B4-BE49-F238E27FC236}">
-                <a16:creationId xmlns:a16="http://schemas.microsoft.com/office/drawing/2014/main" id="{40A8A757-7FC7-337F-A6A0-9AD2290FEA6E}"/>
+                <a16:creationId xmlns:a16="http://schemas.microsoft.com/office/drawing/2014/main" id="{A17ECA30-2920-B994-9B45-9711F7AA6802}"/>
               </a:ext>
             </a:extLst>
           </p:cNvPr>
@@ -2286,7 +2286,7 @@
           <p:cNvPr id="4" name="文本占位符 3">
             <a:extLst>
               <a:ext uri="{FF2B5EF4-FFF2-40B4-BE49-F238E27FC236}">
-                <a16:creationId xmlns:a16="http://schemas.microsoft.com/office/drawing/2014/main" id="{25FB5E46-40C8-A129-9B40-C814AF3AF22A}"/>
+                <a16:creationId xmlns:a16="http://schemas.microsoft.com/office/drawing/2014/main" id="{2D95B550-D8CB-3359-B90E-7FDB1CF130EF}"/>
               </a:ext>
             </a:extLst>
           </p:cNvPr>
@@ -2357,7 +2357,7 @@
           <p:cNvPr id="5" name="日期占位符 4">
             <a:extLst>
               <a:ext uri="{FF2B5EF4-FFF2-40B4-BE49-F238E27FC236}">
-                <a16:creationId xmlns:a16="http://schemas.microsoft.com/office/drawing/2014/main" id="{D6A4ACB1-951E-7E26-1C1D-79791F127B93}"/>
+                <a16:creationId xmlns:a16="http://schemas.microsoft.com/office/drawing/2014/main" id="{E4A77422-884E-6FB5-C57D-4B1DA9459F49}"/>
               </a:ext>
             </a:extLst>
           </p:cNvPr>
@@ -2373,7 +2373,7 @@
           <a:bodyPr/>
           <a:lstStyle/>
           <a:p>
-            <a:fld id="{F2B494F9-92F8-4051-A161-83DCDBF53B3C}" type="datetimeFigureOut">
+            <a:fld id="{7721B985-C64D-4813-A467-940730101CE1}" type="datetimeFigureOut">
               <a:rPr lang="zh-CN" altLang="en-US" smtClean="0"/>
               <a:t>2024/3/10</a:t>
             </a:fld>
@@ -2386,7 +2386,7 @@
           <p:cNvPr id="6" name="页脚占位符 5">
             <a:extLst>
               <a:ext uri="{FF2B5EF4-FFF2-40B4-BE49-F238E27FC236}">
-                <a16:creationId xmlns:a16="http://schemas.microsoft.com/office/drawing/2014/main" id="{33CD2148-9206-5D0C-EAB8-170752243E96}"/>
+                <a16:creationId xmlns:a16="http://schemas.microsoft.com/office/drawing/2014/main" id="{0B5DA127-DB05-5F01-1950-2974CD08DE7F}"/>
               </a:ext>
             </a:extLst>
           </p:cNvPr>
@@ -2411,7 +2411,7 @@
           <p:cNvPr id="7" name="灯片编号占位符 6">
             <a:extLst>
               <a:ext uri="{FF2B5EF4-FFF2-40B4-BE49-F238E27FC236}">
-                <a16:creationId xmlns:a16="http://schemas.microsoft.com/office/drawing/2014/main" id="{F8AABDEA-EC4F-FA0A-88DF-EF89F8875174}"/>
+                <a16:creationId xmlns:a16="http://schemas.microsoft.com/office/drawing/2014/main" id="{CAA07087-0421-23D1-E759-C0428A227B38}"/>
               </a:ext>
             </a:extLst>
           </p:cNvPr>
@@ -2427,7 +2427,7 @@
           <a:bodyPr/>
           <a:lstStyle/>
           <a:p>
-            <a:fld id="{02249F3B-C18A-4844-8CE1-FCA0EACF7D4D}" type="slidenum">
+            <a:fld id="{36988F48-A6E4-40F3-BA29-3373458CE889}" type="slidenum">
               <a:rPr lang="zh-CN" altLang="en-US" smtClean="0"/>
               <a:t>‹#›</a:t>
             </a:fld>
@@ -2438,7 +2438,7 @@
     </p:spTree>
     <p:extLst>
       <p:ext uri="{BB962C8B-B14F-4D97-AF65-F5344CB8AC3E}">
-        <p14:creationId xmlns:p14="http://schemas.microsoft.com/office/powerpoint/2010/main" val="1217130386"/>
+        <p14:creationId xmlns:p14="http://schemas.microsoft.com/office/powerpoint/2010/main" val="3430769422"/>
       </p:ext>
     </p:extLst>
   </p:cSld>
@@ -2470,7 +2470,7 @@
           <p:cNvPr id="2" name="标题 1">
             <a:extLst>
               <a:ext uri="{FF2B5EF4-FFF2-40B4-BE49-F238E27FC236}">
-                <a16:creationId xmlns:a16="http://schemas.microsoft.com/office/drawing/2014/main" id="{D2E3CE61-14A2-567E-23F2-0DF24816EA43}"/>
+                <a16:creationId xmlns:a16="http://schemas.microsoft.com/office/drawing/2014/main" id="{BFBA3349-7239-69EF-D282-2688D681F6B6}"/>
               </a:ext>
             </a:extLst>
           </p:cNvPr>
@@ -2507,7 +2507,7 @@
           <p:cNvPr id="3" name="图片占位符 2">
             <a:extLst>
               <a:ext uri="{FF2B5EF4-FFF2-40B4-BE49-F238E27FC236}">
-                <a16:creationId xmlns:a16="http://schemas.microsoft.com/office/drawing/2014/main" id="{6A018B00-7206-0CC8-7E24-835B76DF0566}"/>
+                <a16:creationId xmlns:a16="http://schemas.microsoft.com/office/drawing/2014/main" id="{D323BFA9-E61E-CF4A-1EA0-B19B450C7FE5}"/>
               </a:ext>
             </a:extLst>
           </p:cNvPr>
@@ -2574,7 +2574,7 @@
           <p:cNvPr id="4" name="文本占位符 3">
             <a:extLst>
               <a:ext uri="{FF2B5EF4-FFF2-40B4-BE49-F238E27FC236}">
-                <a16:creationId xmlns:a16="http://schemas.microsoft.com/office/drawing/2014/main" id="{B23359D4-C8EB-BD80-25C4-12047B8E7288}"/>
+                <a16:creationId xmlns:a16="http://schemas.microsoft.com/office/drawing/2014/main" id="{EBB52A04-0E71-AAC0-92EA-FAB3ECE60061}"/>
               </a:ext>
             </a:extLst>
           </p:cNvPr>
@@ -2645,7 +2645,7 @@
           <p:cNvPr id="5" name="日期占位符 4">
             <a:extLst>
               <a:ext uri="{FF2B5EF4-FFF2-40B4-BE49-F238E27FC236}">
-                <a16:creationId xmlns:a16="http://schemas.microsoft.com/office/drawing/2014/main" id="{289F8352-067C-DB51-DEED-B6CB63B7F255}"/>
+                <a16:creationId xmlns:a16="http://schemas.microsoft.com/office/drawing/2014/main" id="{20381389-8ACA-CE3C-A5BF-80FC12CE750F}"/>
               </a:ext>
             </a:extLst>
           </p:cNvPr>
@@ -2661,7 +2661,7 @@
           <a:bodyPr/>
           <a:lstStyle/>
           <a:p>
-            <a:fld id="{F2B494F9-92F8-4051-A161-83DCDBF53B3C}" type="datetimeFigureOut">
+            <a:fld id="{7721B985-C64D-4813-A467-940730101CE1}" type="datetimeFigureOut">
               <a:rPr lang="zh-CN" altLang="en-US" smtClean="0"/>
               <a:t>2024/3/10</a:t>
             </a:fld>
@@ -2674,7 +2674,7 @@
           <p:cNvPr id="6" name="页脚占位符 5">
             <a:extLst>
               <a:ext uri="{FF2B5EF4-FFF2-40B4-BE49-F238E27FC236}">
-                <a16:creationId xmlns:a16="http://schemas.microsoft.com/office/drawing/2014/main" id="{C5AE510F-DC3C-52B0-6EFF-A14EABADF729}"/>
+                <a16:creationId xmlns:a16="http://schemas.microsoft.com/office/drawing/2014/main" id="{5DF65ED4-EC18-05F7-AFC6-B30FD1113C8A}"/>
               </a:ext>
             </a:extLst>
           </p:cNvPr>
@@ -2699,7 +2699,7 @@
           <p:cNvPr id="7" name="灯片编号占位符 6">
             <a:extLst>
               <a:ext uri="{FF2B5EF4-FFF2-40B4-BE49-F238E27FC236}">
-                <a16:creationId xmlns:a16="http://schemas.microsoft.com/office/drawing/2014/main" id="{10BA6245-8ABA-3C7A-5951-32D06D91889A}"/>
+                <a16:creationId xmlns:a16="http://schemas.microsoft.com/office/drawing/2014/main" id="{6E040D4F-528D-BD07-E1FE-29CBFA431B0A}"/>
               </a:ext>
             </a:extLst>
           </p:cNvPr>
@@ -2715,7 +2715,7 @@
           <a:bodyPr/>
           <a:lstStyle/>
           <a:p>
-            <a:fld id="{02249F3B-C18A-4844-8CE1-FCA0EACF7D4D}" type="slidenum">
+            <a:fld id="{36988F48-A6E4-40F3-BA29-3373458CE889}" type="slidenum">
               <a:rPr lang="zh-CN" altLang="en-US" smtClean="0"/>
               <a:t>‹#›</a:t>
             </a:fld>
@@ -2726,7 +2726,7 @@
     </p:spTree>
     <p:extLst>
       <p:ext uri="{BB962C8B-B14F-4D97-AF65-F5344CB8AC3E}">
-        <p14:creationId xmlns:p14="http://schemas.microsoft.com/office/powerpoint/2010/main" val="2244808315"/>
+        <p14:creationId xmlns:p14="http://schemas.microsoft.com/office/powerpoint/2010/main" val="2360181111"/>
       </p:ext>
     </p:extLst>
   </p:cSld>
@@ -2763,7 +2763,7 @@
           <p:cNvPr id="2" name="标题占位符 1">
             <a:extLst>
               <a:ext uri="{FF2B5EF4-FFF2-40B4-BE49-F238E27FC236}">
-                <a16:creationId xmlns:a16="http://schemas.microsoft.com/office/drawing/2014/main" id="{A6654499-F3DE-06FC-F860-53F8EC22D900}"/>
+                <a16:creationId xmlns:a16="http://schemas.microsoft.com/office/drawing/2014/main" id="{EE7BCE6B-F848-327E-50AF-63C436E0E985}"/>
               </a:ext>
             </a:extLst>
           </p:cNvPr>
@@ -2801,7 +2801,7 @@
           <p:cNvPr id="3" name="文本占位符 2">
             <a:extLst>
               <a:ext uri="{FF2B5EF4-FFF2-40B4-BE49-F238E27FC236}">
-                <a16:creationId xmlns:a16="http://schemas.microsoft.com/office/drawing/2014/main" id="{6114C1A0-9A89-3741-2CF9-CD6A0EF0E750}"/>
+                <a16:creationId xmlns:a16="http://schemas.microsoft.com/office/drawing/2014/main" id="{8DD75B65-FE2D-90F5-230C-FD03651F2DD7}"/>
               </a:ext>
             </a:extLst>
           </p:cNvPr>
@@ -2868,7 +2868,7 @@
           <p:cNvPr id="4" name="日期占位符 3">
             <a:extLst>
               <a:ext uri="{FF2B5EF4-FFF2-40B4-BE49-F238E27FC236}">
-                <a16:creationId xmlns:a16="http://schemas.microsoft.com/office/drawing/2014/main" id="{219EECDF-D80F-CD42-3AB0-9D10D9FF5FE9}"/>
+                <a16:creationId xmlns:a16="http://schemas.microsoft.com/office/drawing/2014/main" id="{01BB5465-FBB5-BEF6-C846-9D546A981D5E}"/>
               </a:ext>
             </a:extLst>
           </p:cNvPr>
@@ -2902,7 +2902,7 @@
             </a:lvl1pPr>
           </a:lstStyle>
           <a:p>
-            <a:fld id="{F2B494F9-92F8-4051-A161-83DCDBF53B3C}" type="datetimeFigureOut">
+            <a:fld id="{7721B985-C64D-4813-A467-940730101CE1}" type="datetimeFigureOut">
               <a:rPr lang="zh-CN" altLang="en-US" smtClean="0"/>
               <a:t>2024/3/10</a:t>
             </a:fld>
@@ -2915,7 +2915,7 @@
           <p:cNvPr id="5" name="页脚占位符 4">
             <a:extLst>
               <a:ext uri="{FF2B5EF4-FFF2-40B4-BE49-F238E27FC236}">
-                <a16:creationId xmlns:a16="http://schemas.microsoft.com/office/drawing/2014/main" id="{7867193A-A2E9-4832-477C-5F9E12AE78D7}"/>
+                <a16:creationId xmlns:a16="http://schemas.microsoft.com/office/drawing/2014/main" id="{63E89675-2F8E-70BB-F1BD-6AF93EF78F17}"/>
               </a:ext>
             </a:extLst>
           </p:cNvPr>
@@ -2958,7 +2958,7 @@
           <p:cNvPr id="6" name="灯片编号占位符 5">
             <a:extLst>
               <a:ext uri="{FF2B5EF4-FFF2-40B4-BE49-F238E27FC236}">
-                <a16:creationId xmlns:a16="http://schemas.microsoft.com/office/drawing/2014/main" id="{95DDA05A-F328-34A6-53DD-E04C7DFF4AC1}"/>
+                <a16:creationId xmlns:a16="http://schemas.microsoft.com/office/drawing/2014/main" id="{3F562FAE-6EC4-2596-7054-3902376D352C}"/>
               </a:ext>
             </a:extLst>
           </p:cNvPr>
@@ -2992,7 +2992,7 @@
             </a:lvl1pPr>
           </a:lstStyle>
           <a:p>
-            <a:fld id="{02249F3B-C18A-4844-8CE1-FCA0EACF7D4D}" type="slidenum">
+            <a:fld id="{36988F48-A6E4-40F3-BA29-3373458CE889}" type="slidenum">
               <a:rPr lang="zh-CN" altLang="en-US" smtClean="0"/>
               <a:t>‹#›</a:t>
             </a:fld>
@@ -3003,7 +3003,7 @@
     </p:spTree>
     <p:extLst>
       <p:ext uri="{BB962C8B-B14F-4D97-AF65-F5344CB8AC3E}">
-        <p14:creationId xmlns:p14="http://schemas.microsoft.com/office/powerpoint/2010/main" val="2702180995"/>
+        <p14:creationId xmlns:p14="http://schemas.microsoft.com/office/powerpoint/2010/main" val="2959263583"/>
       </p:ext>
     </p:extLst>
   </p:cSld>
@@ -3323,7 +3323,7 @@
       </p:grpSpPr>
       <p:pic>
         <p:nvPicPr>
-          <p:cNvPr id="614402" name="Picture 2" descr="599"/>
+          <p:cNvPr id="615426" name="Picture 2" descr="600"/>
           <p:cNvPicPr>
             <a:picLocks noChangeAspect="1" noChangeArrowheads="1"/>
           </p:cNvPicPr>
@@ -3377,7 +3377,7 @@
       </p:pic>
       <p:pic>
         <p:nvPicPr>
-          <p:cNvPr id="615427" name="Picture 3" descr="599-2"/>
+          <p:cNvPr id="616451" name="Picture 3" descr="600-2"/>
           <p:cNvPicPr>
             <a:picLocks noChangeAspect="1" noChangeArrowheads="1"/>
           </p:cNvPicPr>
@@ -3398,7 +3398,7 @@
         </p:blipFill>
         <p:spPr bwMode="auto">
           <a:xfrm>
-            <a:off x="1524000" y="0"/>
+            <a:off x="1524000" y="44450"/>
             <a:ext cx="9144000" cy="6858000"/>
           </a:xfrm>
           <a:prstGeom prst="rect">
@@ -3478,7 +3478,7 @@
                                           </p:stCondLst>
                                         </p:cTn>
                                         <p:tgtEl>
-                                          <p:spTgt spid="615427"/>
+                                          <p:spTgt spid="616451"/>
                                         </p:tgtEl>
                                         <p:attrNameLst>
                                           <p:attrName>style.visibility</p:attrName>
@@ -3492,7 +3492,7 @@
                                       <p:cBhvr>
                                         <p:cTn id="7" dur="500"/>
                                         <p:tgtEl>
-                                          <p:spTgt spid="615427"/>
+                                          <p:spTgt spid="616451"/>
                                         </p:tgtEl>
                                       </p:cBhvr>
                                     </p:animEffect>
